--- a/专业客.pptx
+++ b/专业客.pptx
@@ -106,6 +106,22 @@
       </a:defRPr>
     </a:lvl9pPr>
   </p:defaultTextStyle>
+  <p:extLst>
+    <p:ext uri="{EFAFB233-063F-42B5-8137-9DF3F51BA10A}">
+      <p15:sldGuideLst xmlns:p15="http://schemas.microsoft.com/office/powerpoint/2012/main">
+        <p15:guide id="1" orient="horz" pos="2160">
+          <p15:clr>
+            <a:srgbClr val="A4A3A4"/>
+          </p15:clr>
+        </p15:guide>
+        <p15:guide id="2" pos="2880">
+          <p15:clr>
+            <a:srgbClr val="A4A3A4"/>
+          </p15:clr>
+        </p15:guide>
+      </p15:sldGuideLst>
+    </p:ext>
+  </p:extLst>
 </p:presentation>
 </file>
 
@@ -147,6 +163,13 @@
             <c:symbol val="none"/>
           </c:marker>
           <c:dLbls>
+            <c:spPr>
+              <a:noFill/>
+              <a:ln>
+                <a:noFill/>
+              </a:ln>
+              <a:effectLst/>
+            </c:spPr>
             <c:showLegendKey val="0"/>
             <c:showVal val="1"/>
             <c:showCatName val="0"/>
@@ -154,6 +177,12 @@
             <c:showPercent val="0"/>
             <c:showBubbleSize val="0"/>
             <c:showLeaderLines val="0"/>
+            <c:extLst>
+              <c:ext xmlns:c15="http://schemas.microsoft.com/office/drawing/2012/chart" uri="{CE6537A1-D6FC-4f65-9D91-7224C49458BB}">
+                <c15:layout/>
+                <c15:showLeaderLines val="0"/>
+              </c:ext>
+            </c:extLst>
           </c:dLbls>
           <c:cat>
             <c:numRef>
@@ -259,6 +288,13 @@
             <c:symbol val="none"/>
           </c:marker>
           <c:dLbls>
+            <c:spPr>
+              <a:noFill/>
+              <a:ln>
+                <a:noFill/>
+              </a:ln>
+              <a:effectLst/>
+            </c:spPr>
             <c:showLegendKey val="0"/>
             <c:showVal val="1"/>
             <c:showCatName val="0"/>
@@ -266,6 +302,12 @@
             <c:showPercent val="0"/>
             <c:showBubbleSize val="0"/>
             <c:showLeaderLines val="0"/>
+            <c:extLst>
+              <c:ext xmlns:c15="http://schemas.microsoft.com/office/drawing/2012/chart" uri="{CE6537A1-D6FC-4f65-9D91-7224C49458BB}">
+                <c15:layout/>
+                <c15:showLeaderLines val="0"/>
+              </c:ext>
+            </c:extLst>
           </c:dLbls>
           <c:cat>
             <c:numRef>
@@ -347,6 +389,131 @@
                 </c:pt>
                 <c:pt idx="10">
                   <c:v>72</c:v>
+                </c:pt>
+              </c:numCache>
+            </c:numRef>
+          </c:val>
+          <c:smooth val="0"/>
+        </c:ser>
+        <c:ser>
+          <c:idx val="2"/>
+          <c:order val="2"/>
+          <c:tx>
+            <c:strRef>
+              <c:f>Sheet1!$D$1</c:f>
+              <c:strCache>
+                <c:ptCount val="1"/>
+                <c:pt idx="0">
+                  <c:v>毕业人数</c:v>
+                </c:pt>
+              </c:strCache>
+            </c:strRef>
+          </c:tx>
+          <c:marker>
+            <c:symbol val="none"/>
+          </c:marker>
+          <c:dLbls>
+            <c:spPr>
+              <a:noFill/>
+              <a:ln>
+                <a:noFill/>
+              </a:ln>
+              <a:effectLst/>
+            </c:spPr>
+            <c:showLegendKey val="0"/>
+            <c:showVal val="1"/>
+            <c:showCatName val="0"/>
+            <c:showSerName val="0"/>
+            <c:showPercent val="0"/>
+            <c:showBubbleSize val="0"/>
+            <c:showLeaderLines val="0"/>
+            <c:extLst>
+              <c:ext xmlns:c15="http://schemas.microsoft.com/office/drawing/2012/chart" uri="{CE6537A1-D6FC-4f65-9D91-7224C49458BB}">
+                <c15:layout/>
+                <c15:showLeaderLines val="1"/>
+              </c:ext>
+            </c:extLst>
+          </c:dLbls>
+          <c:cat>
+            <c:numRef>
+              <c:f>Sheet1!$A$2:$A$12</c:f>
+              <c:numCache>
+                <c:formatCode>General</c:formatCode>
+                <c:ptCount val="11"/>
+                <c:pt idx="0">
+                  <c:v>2009</c:v>
+                </c:pt>
+                <c:pt idx="1">
+                  <c:v>2010</c:v>
+                </c:pt>
+                <c:pt idx="2">
+                  <c:v>2011</c:v>
+                </c:pt>
+                <c:pt idx="3">
+                  <c:v>2012</c:v>
+                </c:pt>
+                <c:pt idx="4">
+                  <c:v>2013</c:v>
+                </c:pt>
+                <c:pt idx="5">
+                  <c:v>2014</c:v>
+                </c:pt>
+                <c:pt idx="6">
+                  <c:v>2015</c:v>
+                </c:pt>
+                <c:pt idx="7">
+                  <c:v>2016</c:v>
+                </c:pt>
+                <c:pt idx="8">
+                  <c:v>2017</c:v>
+                </c:pt>
+                <c:pt idx="9">
+                  <c:v>2018</c:v>
+                </c:pt>
+                <c:pt idx="10">
+                  <c:v>2019</c:v>
+                </c:pt>
+              </c:numCache>
+            </c:numRef>
+          </c:cat>
+          <c:val>
+            <c:numRef>
+              <c:f>Sheet1!$D$2:$D$12</c:f>
+              <c:numCache>
+                <c:formatCode>General</c:formatCode>
+                <c:ptCount val="11"/>
+                <c:pt idx="0">
+                  <c:v>531.1</c:v>
+                </c:pt>
+                <c:pt idx="1">
+                  <c:v>575.4</c:v>
+                </c:pt>
+                <c:pt idx="2">
+                  <c:v>608.20000000000005</c:v>
+                </c:pt>
+                <c:pt idx="3">
+                  <c:v>624.70000000000005</c:v>
+                </c:pt>
+                <c:pt idx="4">
+                  <c:v>699</c:v>
+                </c:pt>
+                <c:pt idx="5">
+                  <c:v>727</c:v>
+                </c:pt>
+                <c:pt idx="6">
+                  <c:v>749</c:v>
+                </c:pt>
+                <c:pt idx="7">
+                  <c:v>765</c:v>
+                </c:pt>
+                <c:pt idx="8">
+                  <c:v>795</c:v>
+                </c:pt>
+                <c:pt idx="9">
+                  <c:v>820</c:v>
+                </c:pt>
+                <c:pt idx="10">
+                  <c:v>860</c:v>
                 </c:pt>
               </c:numCache>
             </c:numRef>
@@ -361,13 +528,12 @@
           <c:showPercent val="0"/>
           <c:showBubbleSize val="0"/>
         </c:dLbls>
-        <c:marker val="1"/>
         <c:smooth val="0"/>
-        <c:axId val="118911360"/>
-        <c:axId val="118912896"/>
+        <c:axId val="507491464"/>
+        <c:axId val="507492640"/>
       </c:lineChart>
       <c:catAx>
-        <c:axId val="118911360"/>
+        <c:axId val="507491464"/>
         <c:scaling>
           <c:orientation val="minMax"/>
         </c:scaling>
@@ -377,7 +543,7 @@
         <c:majorTickMark val="out"/>
         <c:minorTickMark val="none"/>
         <c:tickLblPos val="nextTo"/>
-        <c:crossAx val="118912896"/>
+        <c:crossAx val="507492640"/>
         <c:crosses val="autoZero"/>
         <c:auto val="1"/>
         <c:lblAlgn val="ctr"/>
@@ -385,7 +551,7 @@
         <c:noMultiLvlLbl val="0"/>
       </c:catAx>
       <c:valAx>
-        <c:axId val="118912896"/>
+        <c:axId val="507492640"/>
         <c:scaling>
           <c:orientation val="minMax"/>
         </c:scaling>
@@ -396,7 +562,7 @@
         <c:majorTickMark val="out"/>
         <c:minorTickMark val="none"/>
         <c:tickLblPos val="nextTo"/>
-        <c:crossAx val="118911360"/>
+        <c:crossAx val="507491464"/>
         <c:crosses val="autoZero"/>
         <c:crossBetween val="between"/>
       </c:valAx>
@@ -607,7 +773,7 @@
           <a:p>
             <a:fld id="{13F031F1-74FE-4FB0-A81C-1A6F9D69EFBE}" type="datetimeFigureOut">
               <a:rPr lang="zh-CN" altLang="en-US" smtClean="0"/>
-              <a:t>2019/2/14</a:t>
+              <a:t>2019/2/25</a:t>
             </a:fld>
             <a:endParaRPr lang="zh-CN" altLang="en-US"/>
           </a:p>
@@ -777,7 +943,7 @@
           <a:p>
             <a:fld id="{13F031F1-74FE-4FB0-A81C-1A6F9D69EFBE}" type="datetimeFigureOut">
               <a:rPr lang="zh-CN" altLang="en-US" smtClean="0"/>
-              <a:t>2019/2/14</a:t>
+              <a:t>2019/2/25</a:t>
             </a:fld>
             <a:endParaRPr lang="zh-CN" altLang="en-US"/>
           </a:p>
@@ -957,7 +1123,7 @@
           <a:p>
             <a:fld id="{13F031F1-74FE-4FB0-A81C-1A6F9D69EFBE}" type="datetimeFigureOut">
               <a:rPr lang="zh-CN" altLang="en-US" smtClean="0"/>
-              <a:t>2019/2/14</a:t>
+              <a:t>2019/2/25</a:t>
             </a:fld>
             <a:endParaRPr lang="zh-CN" altLang="en-US"/>
           </a:p>
@@ -1127,7 +1293,7 @@
           <a:p>
             <a:fld id="{13F031F1-74FE-4FB0-A81C-1A6F9D69EFBE}" type="datetimeFigureOut">
               <a:rPr lang="zh-CN" altLang="en-US" smtClean="0"/>
-              <a:t>2019/2/14</a:t>
+              <a:t>2019/2/25</a:t>
             </a:fld>
             <a:endParaRPr lang="zh-CN" altLang="en-US"/>
           </a:p>
@@ -1373,7 +1539,7 @@
           <a:p>
             <a:fld id="{13F031F1-74FE-4FB0-A81C-1A6F9D69EFBE}" type="datetimeFigureOut">
               <a:rPr lang="zh-CN" altLang="en-US" smtClean="0"/>
-              <a:t>2019/2/14</a:t>
+              <a:t>2019/2/25</a:t>
             </a:fld>
             <a:endParaRPr lang="zh-CN" altLang="en-US"/>
           </a:p>
@@ -1661,7 +1827,7 @@
           <a:p>
             <a:fld id="{13F031F1-74FE-4FB0-A81C-1A6F9D69EFBE}" type="datetimeFigureOut">
               <a:rPr lang="zh-CN" altLang="en-US" smtClean="0"/>
-              <a:t>2019/2/14</a:t>
+              <a:t>2019/2/25</a:t>
             </a:fld>
             <a:endParaRPr lang="zh-CN" altLang="en-US"/>
           </a:p>
@@ -2083,7 +2249,7 @@
           <a:p>
             <a:fld id="{13F031F1-74FE-4FB0-A81C-1A6F9D69EFBE}" type="datetimeFigureOut">
               <a:rPr lang="zh-CN" altLang="en-US" smtClean="0"/>
-              <a:t>2019/2/14</a:t>
+              <a:t>2019/2/25</a:t>
             </a:fld>
             <a:endParaRPr lang="zh-CN" altLang="en-US"/>
           </a:p>
@@ -2201,7 +2367,7 @@
           <a:p>
             <a:fld id="{13F031F1-74FE-4FB0-A81C-1A6F9D69EFBE}" type="datetimeFigureOut">
               <a:rPr lang="zh-CN" altLang="en-US" smtClean="0"/>
-              <a:t>2019/2/14</a:t>
+              <a:t>2019/2/25</a:t>
             </a:fld>
             <a:endParaRPr lang="zh-CN" altLang="en-US"/>
           </a:p>
@@ -2296,7 +2462,7 @@
           <a:p>
             <a:fld id="{13F031F1-74FE-4FB0-A81C-1A6F9D69EFBE}" type="datetimeFigureOut">
               <a:rPr lang="zh-CN" altLang="en-US" smtClean="0"/>
-              <a:t>2019/2/14</a:t>
+              <a:t>2019/2/25</a:t>
             </a:fld>
             <a:endParaRPr lang="zh-CN" altLang="en-US"/>
           </a:p>
@@ -2573,7 +2739,7 @@
           <a:p>
             <a:fld id="{13F031F1-74FE-4FB0-A81C-1A6F9D69EFBE}" type="datetimeFigureOut">
               <a:rPr lang="zh-CN" altLang="en-US" smtClean="0"/>
-              <a:t>2019/2/14</a:t>
+              <a:t>2019/2/25</a:t>
             </a:fld>
             <a:endParaRPr lang="zh-CN" altLang="en-US"/>
           </a:p>
@@ -2826,7 +2992,7 @@
           <a:p>
             <a:fld id="{13F031F1-74FE-4FB0-A81C-1A6F9D69EFBE}" type="datetimeFigureOut">
               <a:rPr lang="zh-CN" altLang="en-US" smtClean="0"/>
-              <a:t>2019/2/14</a:t>
+              <a:t>2019/2/25</a:t>
             </a:fld>
             <a:endParaRPr lang="zh-CN" altLang="en-US"/>
           </a:p>
@@ -3039,7 +3205,7 @@
           <a:p>
             <a:fld id="{13F031F1-74FE-4FB0-A81C-1A6F9D69EFBE}" type="datetimeFigureOut">
               <a:rPr lang="zh-CN" altLang="en-US" smtClean="0"/>
-              <a:t>2019/2/14</a:t>
+              <a:t>2019/2/25</a:t>
             </a:fld>
             <a:endParaRPr lang="zh-CN" altLang="en-US"/>
           </a:p>
@@ -3518,7 +3684,7 @@
             <p:ph idx="1"/>
             <p:extLst>
               <p:ext uri="{D42A27DB-BD31-4B8C-83A1-F6EECF244321}">
-                <p14:modId xmlns:p14="http://schemas.microsoft.com/office/powerpoint/2010/main" val="1411495618"/>
+                <p14:modId xmlns:p14="http://schemas.microsoft.com/office/powerpoint/2010/main" val="1385886249"/>
               </p:ext>
             </p:extLst>
           </p:nvPr>
